--- a/assets/pp files/Autoencoder.pptx
+++ b/assets/pp files/Autoencoder.pptx
@@ -6,6 +6,7 @@
   </p:sldMasterIdLst>
   <p:sldIdLst>
     <p:sldId id="256" r:id="rId2"/>
+    <p:sldId id="257" r:id="rId3"/>
   </p:sldIdLst>
   <p:sldSz cx="12192000" cy="6858000"/>
   <p:notesSz cx="6858000" cy="9144000"/>
@@ -104,6 +105,11 @@
       </a:defRPr>
     </a:lvl9pPr>
   </p:defaultTextStyle>
+  <p:extLst>
+    <p:ext uri="{EFAFB233-063F-42B5-8137-9DF3F51BA10A}">
+      <p15:sldGuideLst xmlns:p15="http://schemas.microsoft.com/office/powerpoint/2012/main"/>
+    </p:ext>
+  </p:extLst>
 </p:presentation>
 </file>
 
@@ -254,7 +260,7 @@
           <a:p>
             <a:fld id="{132EF016-5891-5749-8934-38CD19B85B39}" type="datetimeFigureOut">
               <a:rPr lang="en-US" smtClean="0"/>
-              <a:t>5/6/18</a:t>
+              <a:t>5/9/18</a:t>
             </a:fld>
             <a:endParaRPr lang="en-US"/>
           </a:p>
@@ -452,7 +458,7 @@
           <a:p>
             <a:fld id="{132EF016-5891-5749-8934-38CD19B85B39}" type="datetimeFigureOut">
               <a:rPr lang="en-US" smtClean="0"/>
-              <a:t>5/6/18</a:t>
+              <a:t>5/9/18</a:t>
             </a:fld>
             <a:endParaRPr lang="en-US"/>
           </a:p>
@@ -660,7 +666,7 @@
           <a:p>
             <a:fld id="{132EF016-5891-5749-8934-38CD19B85B39}" type="datetimeFigureOut">
               <a:rPr lang="en-US" smtClean="0"/>
-              <a:t>5/6/18</a:t>
+              <a:t>5/9/18</a:t>
             </a:fld>
             <a:endParaRPr lang="en-US"/>
           </a:p>
@@ -858,7 +864,7 @@
           <a:p>
             <a:fld id="{132EF016-5891-5749-8934-38CD19B85B39}" type="datetimeFigureOut">
               <a:rPr lang="en-US" smtClean="0"/>
-              <a:t>5/6/18</a:t>
+              <a:t>5/9/18</a:t>
             </a:fld>
             <a:endParaRPr lang="en-US"/>
           </a:p>
@@ -1133,7 +1139,7 @@
           <a:p>
             <a:fld id="{132EF016-5891-5749-8934-38CD19B85B39}" type="datetimeFigureOut">
               <a:rPr lang="en-US" smtClean="0"/>
-              <a:t>5/6/18</a:t>
+              <a:t>5/9/18</a:t>
             </a:fld>
             <a:endParaRPr lang="en-US"/>
           </a:p>
@@ -1398,7 +1404,7 @@
           <a:p>
             <a:fld id="{132EF016-5891-5749-8934-38CD19B85B39}" type="datetimeFigureOut">
               <a:rPr lang="en-US" smtClean="0"/>
-              <a:t>5/6/18</a:t>
+              <a:t>5/9/18</a:t>
             </a:fld>
             <a:endParaRPr lang="en-US"/>
           </a:p>
@@ -1810,7 +1816,7 @@
           <a:p>
             <a:fld id="{132EF016-5891-5749-8934-38CD19B85B39}" type="datetimeFigureOut">
               <a:rPr lang="en-US" smtClean="0"/>
-              <a:t>5/6/18</a:t>
+              <a:t>5/9/18</a:t>
             </a:fld>
             <a:endParaRPr lang="en-US"/>
           </a:p>
@@ -1951,7 +1957,7 @@
           <a:p>
             <a:fld id="{132EF016-5891-5749-8934-38CD19B85B39}" type="datetimeFigureOut">
               <a:rPr lang="en-US" smtClean="0"/>
-              <a:t>5/6/18</a:t>
+              <a:t>5/9/18</a:t>
             </a:fld>
             <a:endParaRPr lang="en-US"/>
           </a:p>
@@ -2064,7 +2070,7 @@
           <a:p>
             <a:fld id="{132EF016-5891-5749-8934-38CD19B85B39}" type="datetimeFigureOut">
               <a:rPr lang="en-US" smtClean="0"/>
-              <a:t>5/6/18</a:t>
+              <a:t>5/9/18</a:t>
             </a:fld>
             <a:endParaRPr lang="en-US"/>
           </a:p>
@@ -2375,7 +2381,7 @@
           <a:p>
             <a:fld id="{132EF016-5891-5749-8934-38CD19B85B39}" type="datetimeFigureOut">
               <a:rPr lang="en-US" smtClean="0"/>
-              <a:t>5/6/18</a:t>
+              <a:t>5/9/18</a:t>
             </a:fld>
             <a:endParaRPr lang="en-US"/>
           </a:p>
@@ -2663,7 +2669,7 @@
           <a:p>
             <a:fld id="{132EF016-5891-5749-8934-38CD19B85B39}" type="datetimeFigureOut">
               <a:rPr lang="en-US" smtClean="0"/>
-              <a:t>5/6/18</a:t>
+              <a:t>5/9/18</a:t>
             </a:fld>
             <a:endParaRPr lang="en-US"/>
           </a:p>
@@ -2904,7 +2910,7 @@
           <a:p>
             <a:fld id="{132EF016-5891-5749-8934-38CD19B85B39}" type="datetimeFigureOut">
               <a:rPr lang="en-US" smtClean="0"/>
-              <a:t>5/6/18</a:t>
+              <a:t>5/9/18</a:t>
             </a:fld>
             <a:endParaRPr lang="en-US"/>
           </a:p>
@@ -3933,6 +3939,685 @@
 </p:sld>
 </file>
 
+<file path=ppt/slides/slide2.xml><?xml version="1.0" encoding="utf-8"?>
+<p:sld xmlns:a="http://schemas.openxmlformats.org/drawingml/2006/main" xmlns:r="http://schemas.openxmlformats.org/officeDocument/2006/relationships" xmlns:p="http://schemas.openxmlformats.org/presentationml/2006/main">
+  <p:cSld>
+    <p:spTree>
+      <p:nvGrpSpPr>
+        <p:cNvPr id="1" name=""/>
+        <p:cNvGrpSpPr/>
+        <p:nvPr/>
+      </p:nvGrpSpPr>
+      <p:grpSpPr>
+        <a:xfrm>
+          <a:off x="0" y="0"/>
+          <a:ext cx="0" cy="0"/>
+          <a:chOff x="0" y="0"/>
+          <a:chExt cx="0" cy="0"/>
+        </a:xfrm>
+      </p:grpSpPr>
+      <p:sp>
+        <p:nvSpPr>
+          <p:cNvPr id="4" name="Rectangle 3">
+            <a:extLst>
+              <a:ext uri="{FF2B5EF4-FFF2-40B4-BE49-F238E27FC236}">
+                <a16:creationId xmlns:a16="http://schemas.microsoft.com/office/drawing/2014/main" id="{D42041A1-69EE-8841-AA4C-9339D91F080B}"/>
+              </a:ext>
+            </a:extLst>
+          </p:cNvPr>
+          <p:cNvSpPr/>
+          <p:nvPr/>
+        </p:nvSpPr>
+        <p:spPr>
+          <a:xfrm>
+            <a:off x="1612232" y="986589"/>
+            <a:ext cx="469231" cy="4908885"/>
+          </a:xfrm>
+          <a:prstGeom prst="rect">
+            <a:avLst/>
+          </a:prstGeom>
+          <a:solidFill>
+            <a:schemeClr val="bg2">
+              <a:lumMod val="50000"/>
+            </a:schemeClr>
+          </a:solidFill>
+          <a:ln>
+            <a:noFill/>
+          </a:ln>
+        </p:spPr>
+        <p:style>
+          <a:lnRef idx="2">
+            <a:schemeClr val="accent1">
+              <a:shade val="50000"/>
+            </a:schemeClr>
+          </a:lnRef>
+          <a:fillRef idx="1">
+            <a:schemeClr val="accent1"/>
+          </a:fillRef>
+          <a:effectRef idx="0">
+            <a:schemeClr val="accent1"/>
+          </a:effectRef>
+          <a:fontRef idx="minor">
+            <a:schemeClr val="lt1"/>
+          </a:fontRef>
+        </p:style>
+        <p:txBody>
+          <a:bodyPr rtlCol="0" anchor="ctr"/>
+          <a:lstStyle/>
+          <a:p>
+            <a:pPr algn="ctr"/>
+            <a:endParaRPr lang="en-US"/>
+          </a:p>
+        </p:txBody>
+      </p:sp>
+      <p:sp>
+        <p:nvSpPr>
+          <p:cNvPr id="5" name="Rectangle 4">
+            <a:extLst>
+              <a:ext uri="{FF2B5EF4-FFF2-40B4-BE49-F238E27FC236}">
+                <a16:creationId xmlns:a16="http://schemas.microsoft.com/office/drawing/2014/main" id="{358E9AE9-E188-194F-AA32-7F5E5623EC2B}"/>
+              </a:ext>
+            </a:extLst>
+          </p:cNvPr>
+          <p:cNvSpPr/>
+          <p:nvPr/>
+        </p:nvSpPr>
+        <p:spPr>
+          <a:xfrm>
+            <a:off x="10174705" y="986588"/>
+            <a:ext cx="469231" cy="4908885"/>
+          </a:xfrm>
+          <a:prstGeom prst="rect">
+            <a:avLst/>
+          </a:prstGeom>
+          <a:solidFill>
+            <a:schemeClr val="bg2">
+              <a:lumMod val="50000"/>
+            </a:schemeClr>
+          </a:solidFill>
+          <a:ln>
+            <a:noFill/>
+          </a:ln>
+        </p:spPr>
+        <p:style>
+          <a:lnRef idx="2">
+            <a:schemeClr val="accent1">
+              <a:shade val="50000"/>
+            </a:schemeClr>
+          </a:lnRef>
+          <a:fillRef idx="1">
+            <a:schemeClr val="accent1"/>
+          </a:fillRef>
+          <a:effectRef idx="0">
+            <a:schemeClr val="accent1"/>
+          </a:effectRef>
+          <a:fontRef idx="minor">
+            <a:schemeClr val="lt1"/>
+          </a:fontRef>
+        </p:style>
+        <p:txBody>
+          <a:bodyPr rtlCol="0" anchor="ctr"/>
+          <a:lstStyle/>
+          <a:p>
+            <a:pPr algn="ctr"/>
+            <a:endParaRPr lang="en-US"/>
+          </a:p>
+        </p:txBody>
+      </p:sp>
+      <p:sp>
+        <p:nvSpPr>
+          <p:cNvPr id="6" name="Rectangle 5">
+            <a:extLst>
+              <a:ext uri="{FF2B5EF4-FFF2-40B4-BE49-F238E27FC236}">
+                <a16:creationId xmlns:a16="http://schemas.microsoft.com/office/drawing/2014/main" id="{98BDE5DC-AEA4-4E46-8364-1251BE3AAD1E}"/>
+              </a:ext>
+            </a:extLst>
+          </p:cNvPr>
+          <p:cNvSpPr/>
+          <p:nvPr/>
+        </p:nvSpPr>
+        <p:spPr>
+          <a:xfrm>
+            <a:off x="3754855" y="1678404"/>
+            <a:ext cx="469231" cy="3525252"/>
+          </a:xfrm>
+          <a:prstGeom prst="rect">
+            <a:avLst/>
+          </a:prstGeom>
+          <a:solidFill>
+            <a:schemeClr val="bg2">
+              <a:lumMod val="50000"/>
+            </a:schemeClr>
+          </a:solidFill>
+          <a:ln>
+            <a:noFill/>
+          </a:ln>
+        </p:spPr>
+        <p:style>
+          <a:lnRef idx="2">
+            <a:schemeClr val="accent1">
+              <a:shade val="50000"/>
+            </a:schemeClr>
+          </a:lnRef>
+          <a:fillRef idx="1">
+            <a:schemeClr val="accent1"/>
+          </a:fillRef>
+          <a:effectRef idx="0">
+            <a:schemeClr val="accent1"/>
+          </a:effectRef>
+          <a:fontRef idx="minor">
+            <a:schemeClr val="lt1"/>
+          </a:fontRef>
+        </p:style>
+        <p:txBody>
+          <a:bodyPr rtlCol="0" anchor="ctr"/>
+          <a:lstStyle/>
+          <a:p>
+            <a:pPr algn="ctr"/>
+            <a:endParaRPr lang="en-US"/>
+          </a:p>
+        </p:txBody>
+      </p:sp>
+      <p:sp>
+        <p:nvSpPr>
+          <p:cNvPr id="7" name="Rectangle 6">
+            <a:extLst>
+              <a:ext uri="{FF2B5EF4-FFF2-40B4-BE49-F238E27FC236}">
+                <a16:creationId xmlns:a16="http://schemas.microsoft.com/office/drawing/2014/main" id="{4914490B-D537-9A4B-850C-2FE5477317E4}"/>
+              </a:ext>
+            </a:extLst>
+          </p:cNvPr>
+          <p:cNvSpPr/>
+          <p:nvPr/>
+        </p:nvSpPr>
+        <p:spPr>
+          <a:xfrm>
+            <a:off x="8032081" y="1678404"/>
+            <a:ext cx="469231" cy="3525252"/>
+          </a:xfrm>
+          <a:prstGeom prst="rect">
+            <a:avLst/>
+          </a:prstGeom>
+          <a:solidFill>
+            <a:schemeClr val="bg2">
+              <a:lumMod val="50000"/>
+            </a:schemeClr>
+          </a:solidFill>
+          <a:ln>
+            <a:noFill/>
+          </a:ln>
+        </p:spPr>
+        <p:style>
+          <a:lnRef idx="2">
+            <a:schemeClr val="accent1">
+              <a:shade val="50000"/>
+            </a:schemeClr>
+          </a:lnRef>
+          <a:fillRef idx="1">
+            <a:schemeClr val="accent1"/>
+          </a:fillRef>
+          <a:effectRef idx="0">
+            <a:schemeClr val="accent1"/>
+          </a:effectRef>
+          <a:fontRef idx="minor">
+            <a:schemeClr val="lt1"/>
+          </a:fontRef>
+        </p:style>
+        <p:txBody>
+          <a:bodyPr rtlCol="0" anchor="ctr"/>
+          <a:lstStyle/>
+          <a:p>
+            <a:pPr algn="ctr"/>
+            <a:endParaRPr lang="en-US"/>
+          </a:p>
+        </p:txBody>
+      </p:sp>
+      <p:sp>
+        <p:nvSpPr>
+          <p:cNvPr id="8" name="Rectangle 7">
+            <a:extLst>
+              <a:ext uri="{FF2B5EF4-FFF2-40B4-BE49-F238E27FC236}">
+                <a16:creationId xmlns:a16="http://schemas.microsoft.com/office/drawing/2014/main" id="{DE39DF4C-CDC2-DE40-A7E3-BBF246A0A9AF}"/>
+              </a:ext>
+            </a:extLst>
+          </p:cNvPr>
+          <p:cNvSpPr/>
+          <p:nvPr/>
+        </p:nvSpPr>
+        <p:spPr>
+          <a:xfrm>
+            <a:off x="5891462" y="3820499"/>
+            <a:ext cx="469231" cy="1991224"/>
+          </a:xfrm>
+          <a:prstGeom prst="rect">
+            <a:avLst/>
+          </a:prstGeom>
+          <a:solidFill>
+            <a:schemeClr val="bg2">
+              <a:lumMod val="50000"/>
+            </a:schemeClr>
+          </a:solidFill>
+          <a:ln>
+            <a:noFill/>
+          </a:ln>
+        </p:spPr>
+        <p:style>
+          <a:lnRef idx="2">
+            <a:schemeClr val="accent1">
+              <a:shade val="50000"/>
+            </a:schemeClr>
+          </a:lnRef>
+          <a:fillRef idx="1">
+            <a:schemeClr val="accent1"/>
+          </a:fillRef>
+          <a:effectRef idx="0">
+            <a:schemeClr val="accent1"/>
+          </a:effectRef>
+          <a:fontRef idx="minor">
+            <a:schemeClr val="lt1"/>
+          </a:fontRef>
+        </p:style>
+        <p:txBody>
+          <a:bodyPr rtlCol="0" anchor="ctr"/>
+          <a:lstStyle/>
+          <a:p>
+            <a:pPr algn="ctr"/>
+            <a:r>
+              <a:rPr lang="en-US" sz="4000" dirty="0"/>
+              <a:t>𝝈</a:t>
+            </a:r>
+          </a:p>
+        </p:txBody>
+      </p:sp>
+      <p:sp>
+        <p:nvSpPr>
+          <p:cNvPr id="11" name="TextBox 10">
+            <a:extLst>
+              <a:ext uri="{FF2B5EF4-FFF2-40B4-BE49-F238E27FC236}">
+                <a16:creationId xmlns:a16="http://schemas.microsoft.com/office/drawing/2014/main" id="{02C56487-7C33-4D46-9FAB-D4FA5B8A77B6}"/>
+              </a:ext>
+            </a:extLst>
+          </p:cNvPr>
+          <p:cNvSpPr txBox="1"/>
+          <p:nvPr/>
+        </p:nvSpPr>
+        <p:spPr>
+          <a:xfrm>
+            <a:off x="491978" y="2779309"/>
+            <a:ext cx="731290" cy="1323439"/>
+          </a:xfrm>
+          <a:prstGeom prst="rect">
+            <a:avLst/>
+          </a:prstGeom>
+          <a:noFill/>
+        </p:spPr>
+        <p:txBody>
+          <a:bodyPr wrap="none" rtlCol="0" anchor="ctr">
+            <a:spAutoFit/>
+          </a:bodyPr>
+          <a:lstStyle/>
+          <a:p>
+            <a:pPr algn="ctr"/>
+            <a:r>
+              <a:rPr lang="en-US" sz="8000" dirty="0">
+                <a:latin typeface="Cambria Math" panose="02040503050406030204" pitchFamily="18" charset="0"/>
+                <a:ea typeface="Cambria Math" panose="02040503050406030204" pitchFamily="18" charset="0"/>
+              </a:rPr>
+              <a:t>𝑥</a:t>
+            </a:r>
+          </a:p>
+        </p:txBody>
+      </p:sp>
+      <p:sp>
+        <p:nvSpPr>
+          <p:cNvPr id="12" name="TextBox 11">
+            <a:extLst>
+              <a:ext uri="{FF2B5EF4-FFF2-40B4-BE49-F238E27FC236}">
+                <a16:creationId xmlns:a16="http://schemas.microsoft.com/office/drawing/2014/main" id="{6371275D-C0F2-F04C-A583-C414F5D2C95A}"/>
+              </a:ext>
+            </a:extLst>
+          </p:cNvPr>
+          <p:cNvSpPr txBox="1"/>
+          <p:nvPr/>
+        </p:nvSpPr>
+        <p:spPr>
+          <a:xfrm>
+            <a:off x="11032900" y="2779309"/>
+            <a:ext cx="731290" cy="1323439"/>
+          </a:xfrm>
+          <a:prstGeom prst="rect">
+            <a:avLst/>
+          </a:prstGeom>
+          <a:noFill/>
+        </p:spPr>
+        <p:txBody>
+          <a:bodyPr wrap="none" rtlCol="0" anchor="ctr">
+            <a:spAutoFit/>
+          </a:bodyPr>
+          <a:lstStyle/>
+          <a:p>
+            <a:pPr algn="ctr"/>
+            <a:r>
+              <a:rPr lang="en-US" sz="8000" dirty="0">
+                <a:latin typeface="Cambria Math" panose="02040503050406030204" pitchFamily="18" charset="0"/>
+                <a:ea typeface="Cambria Math" panose="02040503050406030204" pitchFamily="18" charset="0"/>
+              </a:rPr>
+              <a:t>𝑥</a:t>
+            </a:r>
+          </a:p>
+        </p:txBody>
+      </p:sp>
+      <p:sp>
+        <p:nvSpPr>
+          <p:cNvPr id="13" name="TextBox 12">
+            <a:extLst>
+              <a:ext uri="{FF2B5EF4-FFF2-40B4-BE49-F238E27FC236}">
+                <a16:creationId xmlns:a16="http://schemas.microsoft.com/office/drawing/2014/main" id="{9782783D-6461-EE4F-857D-C1F4FFE50ECC}"/>
+              </a:ext>
+            </a:extLst>
+          </p:cNvPr>
+          <p:cNvSpPr txBox="1"/>
+          <p:nvPr/>
+        </p:nvSpPr>
+        <p:spPr>
+          <a:xfrm>
+            <a:off x="1118121" y="5895473"/>
+            <a:ext cx="1457451" cy="461665"/>
+          </a:xfrm>
+          <a:prstGeom prst="rect">
+            <a:avLst/>
+          </a:prstGeom>
+          <a:noFill/>
+        </p:spPr>
+        <p:txBody>
+          <a:bodyPr wrap="none" rtlCol="0">
+            <a:spAutoFit/>
+          </a:bodyPr>
+          <a:lstStyle/>
+          <a:p>
+            <a:pPr algn="ctr"/>
+            <a:r>
+              <a:rPr lang="en-US" sz="2400" dirty="0">
+                <a:latin typeface="Lato" panose="020F0502020204030203" pitchFamily="34" charset="0"/>
+                <a:ea typeface="Lato" panose="020F0502020204030203" pitchFamily="34" charset="0"/>
+                <a:cs typeface="Lato" panose="020F0502020204030203" pitchFamily="34" charset="0"/>
+              </a:rPr>
+              <a:t>784 units</a:t>
+            </a:r>
+          </a:p>
+        </p:txBody>
+      </p:sp>
+      <p:sp>
+        <p:nvSpPr>
+          <p:cNvPr id="14" name="TextBox 13">
+            <a:extLst>
+              <a:ext uri="{FF2B5EF4-FFF2-40B4-BE49-F238E27FC236}">
+                <a16:creationId xmlns:a16="http://schemas.microsoft.com/office/drawing/2014/main" id="{E319B4C6-6B61-9D46-BC6A-28D9F1F633C9}"/>
+              </a:ext>
+            </a:extLst>
+          </p:cNvPr>
+          <p:cNvSpPr txBox="1"/>
+          <p:nvPr/>
+        </p:nvSpPr>
+        <p:spPr>
+          <a:xfrm>
+            <a:off x="3345702" y="5203656"/>
+            <a:ext cx="1279517" cy="461665"/>
+          </a:xfrm>
+          <a:prstGeom prst="rect">
+            <a:avLst/>
+          </a:prstGeom>
+          <a:noFill/>
+        </p:spPr>
+        <p:txBody>
+          <a:bodyPr wrap="none" rtlCol="0">
+            <a:spAutoFit/>
+          </a:bodyPr>
+          <a:lstStyle/>
+          <a:p>
+            <a:pPr algn="ctr"/>
+            <a:r>
+              <a:rPr lang="en-US" sz="2400" dirty="0">
+                <a:latin typeface="Lato" panose="020F0502020204030203" pitchFamily="34" charset="0"/>
+                <a:ea typeface="Lato" panose="020F0502020204030203" pitchFamily="34" charset="0"/>
+                <a:cs typeface="Lato" panose="020F0502020204030203" pitchFamily="34" charset="0"/>
+              </a:rPr>
+              <a:t>64 units</a:t>
+            </a:r>
+          </a:p>
+        </p:txBody>
+      </p:sp>
+      <p:sp>
+        <p:nvSpPr>
+          <p:cNvPr id="15" name="TextBox 14">
+            <a:extLst>
+              <a:ext uri="{FF2B5EF4-FFF2-40B4-BE49-F238E27FC236}">
+                <a16:creationId xmlns:a16="http://schemas.microsoft.com/office/drawing/2014/main" id="{7BBCD93A-370F-294A-A176-363E32B3C599}"/>
+              </a:ext>
+            </a:extLst>
+          </p:cNvPr>
+          <p:cNvSpPr txBox="1"/>
+          <p:nvPr/>
+        </p:nvSpPr>
+        <p:spPr>
+          <a:xfrm>
+            <a:off x="5486319" y="6154131"/>
+            <a:ext cx="1279517" cy="461665"/>
+          </a:xfrm>
+          <a:prstGeom prst="rect">
+            <a:avLst/>
+          </a:prstGeom>
+          <a:noFill/>
+        </p:spPr>
+        <p:txBody>
+          <a:bodyPr wrap="none" rtlCol="0">
+            <a:spAutoFit/>
+          </a:bodyPr>
+          <a:lstStyle/>
+          <a:p>
+            <a:pPr algn="ctr"/>
+            <a:r>
+              <a:rPr lang="en-US" sz="2400" dirty="0">
+                <a:latin typeface="Lato" panose="020F0502020204030203" pitchFamily="34" charset="0"/>
+                <a:ea typeface="Lato" panose="020F0502020204030203" pitchFamily="34" charset="0"/>
+                <a:cs typeface="Lato" panose="020F0502020204030203" pitchFamily="34" charset="0"/>
+              </a:rPr>
+              <a:t>32 units</a:t>
+            </a:r>
+          </a:p>
+        </p:txBody>
+      </p:sp>
+      <p:sp>
+        <p:nvSpPr>
+          <p:cNvPr id="16" name="TextBox 15">
+            <a:extLst>
+              <a:ext uri="{FF2B5EF4-FFF2-40B4-BE49-F238E27FC236}">
+                <a16:creationId xmlns:a16="http://schemas.microsoft.com/office/drawing/2014/main" id="{7EE1D4FC-E7B6-7846-AFB5-BE5A716F5A63}"/>
+              </a:ext>
+            </a:extLst>
+          </p:cNvPr>
+          <p:cNvSpPr txBox="1"/>
+          <p:nvPr/>
+        </p:nvSpPr>
+        <p:spPr>
+          <a:xfrm>
+            <a:off x="7626937" y="5203656"/>
+            <a:ext cx="1279517" cy="461665"/>
+          </a:xfrm>
+          <a:prstGeom prst="rect">
+            <a:avLst/>
+          </a:prstGeom>
+          <a:noFill/>
+        </p:spPr>
+        <p:txBody>
+          <a:bodyPr wrap="none" rtlCol="0">
+            <a:spAutoFit/>
+          </a:bodyPr>
+          <a:lstStyle/>
+          <a:p>
+            <a:pPr algn="ctr"/>
+            <a:r>
+              <a:rPr lang="en-US" sz="2400" dirty="0">
+                <a:latin typeface="Lato" panose="020F0502020204030203" pitchFamily="34" charset="0"/>
+                <a:ea typeface="Lato" panose="020F0502020204030203" pitchFamily="34" charset="0"/>
+                <a:cs typeface="Lato" panose="020F0502020204030203" pitchFamily="34" charset="0"/>
+              </a:rPr>
+              <a:t>64 units</a:t>
+            </a:r>
+          </a:p>
+        </p:txBody>
+      </p:sp>
+      <p:sp>
+        <p:nvSpPr>
+          <p:cNvPr id="17" name="TextBox 16">
+            <a:extLst>
+              <a:ext uri="{FF2B5EF4-FFF2-40B4-BE49-F238E27FC236}">
+                <a16:creationId xmlns:a16="http://schemas.microsoft.com/office/drawing/2014/main" id="{DC2E239E-498A-6742-B03A-60AB48175E2B}"/>
+              </a:ext>
+            </a:extLst>
+          </p:cNvPr>
+          <p:cNvSpPr txBox="1"/>
+          <p:nvPr/>
+        </p:nvSpPr>
+        <p:spPr>
+          <a:xfrm>
+            <a:off x="9680594" y="5895473"/>
+            <a:ext cx="1457451" cy="461665"/>
+          </a:xfrm>
+          <a:prstGeom prst="rect">
+            <a:avLst/>
+          </a:prstGeom>
+          <a:noFill/>
+        </p:spPr>
+        <p:txBody>
+          <a:bodyPr wrap="none" rtlCol="0">
+            <a:spAutoFit/>
+          </a:bodyPr>
+          <a:lstStyle/>
+          <a:p>
+            <a:pPr algn="ctr"/>
+            <a:r>
+              <a:rPr lang="en-US" sz="2400" dirty="0">
+                <a:latin typeface="Lato" panose="020F0502020204030203" pitchFamily="34" charset="0"/>
+                <a:ea typeface="Lato" panose="020F0502020204030203" pitchFamily="34" charset="0"/>
+                <a:cs typeface="Lato" panose="020F0502020204030203" pitchFamily="34" charset="0"/>
+              </a:rPr>
+              <a:t>784 units</a:t>
+            </a:r>
+          </a:p>
+        </p:txBody>
+      </p:sp>
+      <p:sp>
+        <p:nvSpPr>
+          <p:cNvPr id="18" name="Rectangle 17">
+            <a:extLst>
+              <a:ext uri="{FF2B5EF4-FFF2-40B4-BE49-F238E27FC236}">
+                <a16:creationId xmlns:a16="http://schemas.microsoft.com/office/drawing/2014/main" id="{0C84CFB9-1546-024B-9068-1590C944248D}"/>
+              </a:ext>
+            </a:extLst>
+          </p:cNvPr>
+          <p:cNvSpPr/>
+          <p:nvPr/>
+        </p:nvSpPr>
+        <p:spPr>
+          <a:xfrm>
+            <a:off x="5897478" y="682792"/>
+            <a:ext cx="469231" cy="1991224"/>
+          </a:xfrm>
+          <a:prstGeom prst="rect">
+            <a:avLst/>
+          </a:prstGeom>
+          <a:solidFill>
+            <a:schemeClr val="bg2">
+              <a:lumMod val="50000"/>
+            </a:schemeClr>
+          </a:solidFill>
+          <a:ln>
+            <a:noFill/>
+          </a:ln>
+        </p:spPr>
+        <p:style>
+          <a:lnRef idx="2">
+            <a:schemeClr val="accent1">
+              <a:shade val="50000"/>
+            </a:schemeClr>
+          </a:lnRef>
+          <a:fillRef idx="1">
+            <a:schemeClr val="accent1"/>
+          </a:fillRef>
+          <a:effectRef idx="0">
+            <a:schemeClr val="accent1"/>
+          </a:effectRef>
+          <a:fontRef idx="minor">
+            <a:schemeClr val="lt1"/>
+          </a:fontRef>
+        </p:style>
+        <p:txBody>
+          <a:bodyPr rtlCol="0" anchor="ctr"/>
+          <a:lstStyle/>
+          <a:p>
+            <a:pPr algn="ctr"/>
+            <a:r>
+              <a:rPr lang="en-US" sz="4000" dirty="0" err="1"/>
+              <a:t>μ</a:t>
+            </a:r>
+            <a:endParaRPr lang="en-US" sz="4000" dirty="0"/>
+          </a:p>
+        </p:txBody>
+      </p:sp>
+      <p:sp>
+        <p:nvSpPr>
+          <p:cNvPr id="19" name="TextBox 18">
+            <a:extLst>
+              <a:ext uri="{FF2B5EF4-FFF2-40B4-BE49-F238E27FC236}">
+                <a16:creationId xmlns:a16="http://schemas.microsoft.com/office/drawing/2014/main" id="{76F98A97-1DD4-D643-8C6F-ECA8E51FA234}"/>
+              </a:ext>
+            </a:extLst>
+          </p:cNvPr>
+          <p:cNvSpPr txBox="1"/>
+          <p:nvPr/>
+        </p:nvSpPr>
+        <p:spPr>
+          <a:xfrm>
+            <a:off x="5492338" y="2674016"/>
+            <a:ext cx="1279516" cy="461665"/>
+          </a:xfrm>
+          <a:prstGeom prst="rect">
+            <a:avLst/>
+          </a:prstGeom>
+          <a:noFill/>
+        </p:spPr>
+        <p:txBody>
+          <a:bodyPr wrap="none" rtlCol="0">
+            <a:spAutoFit/>
+          </a:bodyPr>
+          <a:lstStyle/>
+          <a:p>
+            <a:pPr algn="ctr"/>
+            <a:r>
+              <a:rPr lang="en-US" sz="2400" dirty="0">
+                <a:latin typeface="Lato" panose="020F0502020204030203" pitchFamily="34" charset="0"/>
+                <a:ea typeface="Lato" panose="020F0502020204030203" pitchFamily="34" charset="0"/>
+                <a:cs typeface="Lato" panose="020F0502020204030203" pitchFamily="34" charset="0"/>
+              </a:rPr>
+              <a:t>32 units</a:t>
+            </a:r>
+          </a:p>
+        </p:txBody>
+      </p:sp>
+    </p:spTree>
+    <p:extLst>
+      <p:ext uri="{BB962C8B-B14F-4D97-AF65-F5344CB8AC3E}">
+        <p14:creationId xmlns:p14="http://schemas.microsoft.com/office/powerpoint/2010/main" val="3868581116"/>
+      </p:ext>
+    </p:extLst>
+  </p:cSld>
+  <p:clrMapOvr>
+    <a:masterClrMapping/>
+  </p:clrMapOvr>
+</p:sld>
+</file>
+
 <file path=ppt/theme/theme1.xml><?xml version="1.0" encoding="utf-8"?>
 <a:theme xmlns:a="http://schemas.openxmlformats.org/drawingml/2006/main" name="Office Theme">
   <a:themeElements>
